--- a/_doctos/Food4All.pptx
+++ b/_doctos/Food4All.pptx
@@ -11,6 +11,8 @@
     <p:sldId id="258" r:id="rId5"/>
     <p:sldId id="259" r:id="rId6"/>
     <p:sldId id="261" r:id="rId7"/>
+    <p:sldId id="262" r:id="rId8"/>
+    <p:sldId id="263" r:id="rId9"/>
   </p:sldIdLst>
   <p:sldSz cx="12192000" cy="6858000"/>
   <p:notesSz cx="6858000" cy="9144000"/>
@@ -4798,6 +4800,390 @@
 </p:sld>
 </file>
 
+<file path=ppt/slides/slide7.xml><?xml version="1.0" encoding="utf-8"?>
+<p:sld xmlns:a="http://schemas.openxmlformats.org/drawingml/2006/main" xmlns:r="http://schemas.openxmlformats.org/officeDocument/2006/relationships" xmlns:p="http://schemas.openxmlformats.org/presentationml/2006/main">
+  <p:cSld>
+    <p:spTree>
+      <p:nvGrpSpPr>
+        <p:cNvPr id="1" name=""/>
+        <p:cNvGrpSpPr/>
+        <p:nvPr/>
+      </p:nvGrpSpPr>
+      <p:grpSpPr>
+        <a:xfrm>
+          <a:off x="0" y="0"/>
+          <a:ext cx="0" cy="0"/>
+          <a:chOff x="0" y="0"/>
+          <a:chExt cx="0" cy="0"/>
+        </a:xfrm>
+      </p:grpSpPr>
+      <p:pic>
+        <p:nvPicPr>
+          <p:cNvPr id="5" name="Imagem 4" descr="Gráfico, Gráfico de barras&#10;&#10;Descrição gerada automaticamente">
+            <a:extLst>
+              <a:ext uri="{FF2B5EF4-FFF2-40B4-BE49-F238E27FC236}">
+                <a16:creationId xmlns:a16="http://schemas.microsoft.com/office/drawing/2014/main" id="{73A1FE4C-D63E-913A-E328-3843F9FCBCA8}"/>
+              </a:ext>
+            </a:extLst>
+          </p:cNvPr>
+          <p:cNvPicPr>
+            <a:picLocks noChangeAspect="1"/>
+          </p:cNvPicPr>
+          <p:nvPr/>
+        </p:nvPicPr>
+        <p:blipFill rotWithShape="1">
+          <a:blip r:embed="rId2">
+            <a:extLst>
+              <a:ext uri="{28A0092B-C50C-407E-A947-70E740481C1C}">
+                <a14:useLocalDpi xmlns:a14="http://schemas.microsoft.com/office/drawing/2010/main" val="0"/>
+              </a:ext>
+            </a:extLst>
+          </a:blip>
+          <a:srcRect t="43408" b="8148"/>
+          <a:stretch/>
+        </p:blipFill>
+        <p:spPr>
+          <a:xfrm>
+            <a:off x="1747520" y="1381760"/>
+            <a:ext cx="3616960" cy="4541520"/>
+          </a:xfrm>
+          <a:prstGeom prst="rect">
+            <a:avLst/>
+          </a:prstGeom>
+        </p:spPr>
+      </p:pic>
+      <p:sp>
+        <p:nvSpPr>
+          <p:cNvPr id="6" name="CaixaDeTexto 5">
+            <a:extLst>
+              <a:ext uri="{FF2B5EF4-FFF2-40B4-BE49-F238E27FC236}">
+                <a16:creationId xmlns:a16="http://schemas.microsoft.com/office/drawing/2014/main" id="{39E168EE-F39A-04C0-C68B-18CBADFAD9F9}"/>
+              </a:ext>
+            </a:extLst>
+          </p:cNvPr>
+          <p:cNvSpPr txBox="1"/>
+          <p:nvPr/>
+        </p:nvSpPr>
+        <p:spPr>
+          <a:xfrm>
+            <a:off x="1148080" y="518160"/>
+            <a:ext cx="2480807" cy="523220"/>
+          </a:xfrm>
+          <a:prstGeom prst="rect">
+            <a:avLst/>
+          </a:prstGeom>
+          <a:noFill/>
+        </p:spPr>
+        <p:txBody>
+          <a:bodyPr wrap="none" rtlCol="0">
+            <a:spAutoFit/>
+          </a:bodyPr>
+          <a:lstStyle/>
+          <a:p>
+            <a:r>
+              <a:rPr lang="pt-BR" sz="2800" b="1" dirty="0"/>
+              <a:t>Paleta de Cores</a:t>
+            </a:r>
+          </a:p>
+        </p:txBody>
+      </p:sp>
+      <p:sp>
+        <p:nvSpPr>
+          <p:cNvPr id="4" name="CaixaDeTexto 3">
+            <a:extLst>
+              <a:ext uri="{FF2B5EF4-FFF2-40B4-BE49-F238E27FC236}">
+                <a16:creationId xmlns:a16="http://schemas.microsoft.com/office/drawing/2014/main" id="{85DFEE8D-FC03-B516-19BD-DAA21F5BD98F}"/>
+              </a:ext>
+            </a:extLst>
+          </p:cNvPr>
+          <p:cNvSpPr txBox="1"/>
+          <p:nvPr/>
+        </p:nvSpPr>
+        <p:spPr>
+          <a:xfrm>
+            <a:off x="6827522" y="447040"/>
+            <a:ext cx="1681679" cy="523220"/>
+          </a:xfrm>
+          <a:prstGeom prst="rect">
+            <a:avLst/>
+          </a:prstGeom>
+          <a:noFill/>
+        </p:spPr>
+        <p:txBody>
+          <a:bodyPr wrap="none" rtlCol="0">
+            <a:spAutoFit/>
+          </a:bodyPr>
+          <a:lstStyle/>
+          <a:p>
+            <a:r>
+              <a:rPr lang="pt-BR" sz="2800" b="1" dirty="0"/>
+              <a:t>Tipografia</a:t>
+            </a:r>
+          </a:p>
+        </p:txBody>
+      </p:sp>
+      <p:pic>
+        <p:nvPicPr>
+          <p:cNvPr id="7" name="Picture 2" descr="Roboto – Wikipédia, a enciclopédia livre">
+            <a:extLst>
+              <a:ext uri="{FF2B5EF4-FFF2-40B4-BE49-F238E27FC236}">
+                <a16:creationId xmlns:a16="http://schemas.microsoft.com/office/drawing/2014/main" id="{3B8ED2E4-AA27-1373-4FBC-7305FA94CB17}"/>
+              </a:ext>
+            </a:extLst>
+          </p:cNvPr>
+          <p:cNvPicPr>
+            <a:picLocks noChangeAspect="1" noChangeArrowheads="1"/>
+          </p:cNvPicPr>
+          <p:nvPr/>
+        </p:nvPicPr>
+        <p:blipFill>
+          <a:blip r:embed="rId3">
+            <a:extLst>
+              <a:ext uri="{28A0092B-C50C-407E-A947-70E740481C1C}">
+                <a14:useLocalDpi xmlns:a14="http://schemas.microsoft.com/office/drawing/2010/main" val="0"/>
+              </a:ext>
+            </a:extLst>
+          </a:blip>
+          <a:srcRect/>
+          <a:stretch>
+            <a:fillRect/>
+          </a:stretch>
+        </p:blipFill>
+        <p:spPr bwMode="auto">
+          <a:xfrm>
+            <a:off x="7514275" y="1305873"/>
+            <a:ext cx="3600767" cy="4764092"/>
+          </a:xfrm>
+          <a:prstGeom prst="rect">
+            <a:avLst/>
+          </a:prstGeom>
+          <a:noFill/>
+          <a:extLst>
+            <a:ext uri="{909E8E84-426E-40DD-AFC4-6F175D3DCCD1}">
+              <a14:hiddenFill xmlns:a14="http://schemas.microsoft.com/office/drawing/2010/main">
+                <a:solidFill>
+                  <a:srgbClr val="FFFFFF"/>
+                </a:solidFill>
+              </a14:hiddenFill>
+            </a:ext>
+          </a:extLst>
+        </p:spPr>
+      </p:pic>
+    </p:spTree>
+    <p:extLst>
+      <p:ext uri="{BB962C8B-B14F-4D97-AF65-F5344CB8AC3E}">
+        <p14:creationId xmlns:p14="http://schemas.microsoft.com/office/powerpoint/2010/main" val="1295890444"/>
+      </p:ext>
+    </p:extLst>
+  </p:cSld>
+  <p:clrMapOvr>
+    <a:masterClrMapping/>
+  </p:clrMapOvr>
+</p:sld>
+</file>
+
+<file path=ppt/slides/slide8.xml><?xml version="1.0" encoding="utf-8"?>
+<p:sld xmlns:a="http://schemas.openxmlformats.org/drawingml/2006/main" xmlns:r="http://schemas.openxmlformats.org/officeDocument/2006/relationships" xmlns:p="http://schemas.openxmlformats.org/presentationml/2006/main">
+  <p:cSld>
+    <p:spTree>
+      <p:nvGrpSpPr>
+        <p:cNvPr id="1" name=""/>
+        <p:cNvGrpSpPr/>
+        <p:nvPr/>
+      </p:nvGrpSpPr>
+      <p:grpSpPr>
+        <a:xfrm>
+          <a:off x="0" y="0"/>
+          <a:ext cx="0" cy="0"/>
+          <a:chOff x="0" y="0"/>
+          <a:chExt cx="0" cy="0"/>
+        </a:xfrm>
+      </p:grpSpPr>
+      <p:sp>
+        <p:nvSpPr>
+          <p:cNvPr id="5" name="CaixaDeTexto 4">
+            <a:extLst>
+              <a:ext uri="{FF2B5EF4-FFF2-40B4-BE49-F238E27FC236}">
+                <a16:creationId xmlns:a16="http://schemas.microsoft.com/office/drawing/2014/main" id="{8B9DA368-014D-D1BC-AC7C-7560DA494D19}"/>
+              </a:ext>
+            </a:extLst>
+          </p:cNvPr>
+          <p:cNvSpPr txBox="1"/>
+          <p:nvPr/>
+        </p:nvSpPr>
+        <p:spPr>
+          <a:xfrm>
+            <a:off x="4114800" y="1412240"/>
+            <a:ext cx="6339840" cy="3539430"/>
+          </a:xfrm>
+          <a:prstGeom prst="rect">
+            <a:avLst/>
+          </a:prstGeom>
+          <a:noFill/>
+        </p:spPr>
+        <p:txBody>
+          <a:bodyPr wrap="square" rtlCol="0">
+            <a:spAutoFit/>
+          </a:bodyPr>
+          <a:lstStyle/>
+          <a:p>
+            <a:pPr>
+              <a:lnSpc>
+                <a:spcPct val="150000"/>
+              </a:lnSpc>
+            </a:pPr>
+            <a:r>
+              <a:rPr lang="pt-BR" sz="3200" b="1" dirty="0">
+                <a:latin typeface="Roboto" panose="02000000000000000000" pitchFamily="2" charset="0"/>
+                <a:ea typeface="Roboto" panose="02000000000000000000" pitchFamily="2" charset="0"/>
+              </a:rPr>
+              <a:t>Acessibilidade</a:t>
+            </a:r>
+          </a:p>
+          <a:p>
+            <a:pPr>
+              <a:lnSpc>
+                <a:spcPct val="150000"/>
+              </a:lnSpc>
+            </a:pPr>
+            <a:endParaRPr lang="pt-BR" sz="2400" dirty="0">
+              <a:latin typeface="Roboto" panose="02000000000000000000" pitchFamily="2" charset="0"/>
+              <a:ea typeface="Roboto" panose="02000000000000000000" pitchFamily="2" charset="0"/>
+            </a:endParaRPr>
+          </a:p>
+          <a:p>
+            <a:pPr marL="742950" lvl="1" indent="-285750">
+              <a:lnSpc>
+                <a:spcPct val="150000"/>
+              </a:lnSpc>
+              <a:buFont typeface="Arial" panose="020B0604020202020204" pitchFamily="34" charset="0"/>
+              <a:buChar char="•"/>
+            </a:pPr>
+            <a:r>
+              <a:rPr lang="pt-BR" sz="2400" dirty="0">
+                <a:latin typeface="Roboto" panose="02000000000000000000" pitchFamily="2" charset="0"/>
+                <a:ea typeface="Roboto" panose="02000000000000000000" pitchFamily="2" charset="0"/>
+              </a:rPr>
+              <a:t>Tradutor de Libras</a:t>
+            </a:r>
+          </a:p>
+          <a:p>
+            <a:pPr marL="742950" lvl="1" indent="-285750">
+              <a:lnSpc>
+                <a:spcPct val="150000"/>
+              </a:lnSpc>
+              <a:buFont typeface="Arial" panose="020B0604020202020204" pitchFamily="34" charset="0"/>
+              <a:buChar char="•"/>
+            </a:pPr>
+            <a:r>
+              <a:rPr lang="pt-BR" sz="2400" dirty="0">
+                <a:latin typeface="Roboto" panose="02000000000000000000" pitchFamily="2" charset="0"/>
+                <a:ea typeface="Roboto" panose="02000000000000000000" pitchFamily="2" charset="0"/>
+              </a:rPr>
+              <a:t>Imagens com Alt + </a:t>
+            </a:r>
+            <a:r>
+              <a:rPr lang="pt-BR" sz="2400" dirty="0" err="1">
+                <a:latin typeface="Roboto" panose="02000000000000000000" pitchFamily="2" charset="0"/>
+                <a:ea typeface="Roboto" panose="02000000000000000000" pitchFamily="2" charset="0"/>
+              </a:rPr>
+              <a:t>Title</a:t>
+            </a:r>
+            <a:endParaRPr lang="pt-BR" sz="2400" dirty="0">
+              <a:latin typeface="Roboto" panose="02000000000000000000" pitchFamily="2" charset="0"/>
+              <a:ea typeface="Roboto" panose="02000000000000000000" pitchFamily="2" charset="0"/>
+            </a:endParaRPr>
+          </a:p>
+          <a:p>
+            <a:pPr marL="742950" lvl="1" indent="-285750">
+              <a:lnSpc>
+                <a:spcPct val="150000"/>
+              </a:lnSpc>
+              <a:buFont typeface="Arial" panose="020B0604020202020204" pitchFamily="34" charset="0"/>
+              <a:buChar char="•"/>
+            </a:pPr>
+            <a:r>
+              <a:rPr lang="pt-BR" sz="2400" dirty="0">
+                <a:latin typeface="Roboto" panose="02000000000000000000" pitchFamily="2" charset="0"/>
+                <a:ea typeface="Roboto" panose="02000000000000000000" pitchFamily="2" charset="0"/>
+              </a:rPr>
+              <a:t>Cores com contraste</a:t>
+            </a:r>
+          </a:p>
+          <a:p>
+            <a:pPr marL="742950" lvl="1" indent="-285750">
+              <a:lnSpc>
+                <a:spcPct val="150000"/>
+              </a:lnSpc>
+              <a:buFont typeface="Arial" panose="020B0604020202020204" pitchFamily="34" charset="0"/>
+              <a:buChar char="•"/>
+            </a:pPr>
+            <a:r>
+              <a:rPr lang="pt-BR" sz="2400" dirty="0" err="1">
+                <a:latin typeface="Roboto" panose="02000000000000000000" pitchFamily="2" charset="0"/>
+                <a:ea typeface="Roboto" panose="02000000000000000000" pitchFamily="2" charset="0"/>
+              </a:rPr>
+              <a:t>Font</a:t>
+            </a:r>
+            <a:r>
+              <a:rPr lang="pt-BR" sz="2400" dirty="0">
+                <a:latin typeface="Roboto" panose="02000000000000000000" pitchFamily="2" charset="0"/>
+                <a:ea typeface="Roboto" panose="02000000000000000000" pitchFamily="2" charset="0"/>
+              </a:rPr>
+              <a:t> sem serifa</a:t>
+            </a:r>
+          </a:p>
+        </p:txBody>
+      </p:sp>
+      <p:pic>
+        <p:nvPicPr>
+          <p:cNvPr id="7" name="Imagem 6" descr="Texto&#10;&#10;Descrição gerada automaticamente">
+            <a:extLst>
+              <a:ext uri="{FF2B5EF4-FFF2-40B4-BE49-F238E27FC236}">
+                <a16:creationId xmlns:a16="http://schemas.microsoft.com/office/drawing/2014/main" id="{107218D4-5D8D-53C1-21DA-A4149B5D3A45}"/>
+              </a:ext>
+            </a:extLst>
+          </p:cNvPr>
+          <p:cNvPicPr>
+            <a:picLocks noChangeAspect="1"/>
+          </p:cNvPicPr>
+          <p:nvPr/>
+        </p:nvPicPr>
+        <p:blipFill>
+          <a:blip r:embed="rId2">
+            <a:extLst>
+              <a:ext uri="{28A0092B-C50C-407E-A947-70E740481C1C}">
+                <a14:useLocalDpi xmlns:a14="http://schemas.microsoft.com/office/drawing/2010/main" val="0"/>
+              </a:ext>
+            </a:extLst>
+          </a:blip>
+          <a:stretch>
+            <a:fillRect/>
+          </a:stretch>
+        </p:blipFill>
+        <p:spPr>
+          <a:xfrm>
+            <a:off x="0" y="0"/>
+            <a:ext cx="2346960" cy="2346960"/>
+          </a:xfrm>
+          <a:prstGeom prst="rect">
+            <a:avLst/>
+          </a:prstGeom>
+        </p:spPr>
+      </p:pic>
+    </p:spTree>
+    <p:extLst>
+      <p:ext uri="{BB962C8B-B14F-4D97-AF65-F5344CB8AC3E}">
+        <p14:creationId xmlns:p14="http://schemas.microsoft.com/office/powerpoint/2010/main" val="3154567135"/>
+      </p:ext>
+    </p:extLst>
+  </p:cSld>
+  <p:clrMapOvr>
+    <a:masterClrMapping/>
+  </p:clrMapOvr>
+</p:sld>
+</file>
+
 <file path=ppt/theme/theme1.xml><?xml version="1.0" encoding="utf-8"?>
 <a:theme xmlns:a="http://schemas.openxmlformats.org/drawingml/2006/main" name="Tema do Office">
   <a:themeElements>
